--- a/assets/system-design.pptx
+++ b/assets/system-design.pptx
@@ -110,6 +110,11 @@
       </a:defRPr>
     </a:lvl9pPr>
   </p:defaultTextStyle>
+  <p:extLst>
+    <p:ext uri="{EFAFB233-063F-42B5-8137-9DF3F51BA10A}">
+      <p15:sldGuideLst xmlns:p15="http://schemas.microsoft.com/office/powerpoint/2012/main"/>
+    </p:ext>
+  </p:extLst>
 </p:presentation>
 </file>
 
@@ -195,7 +200,7 @@
           <a:p>
             <a:fld id="{F16CE566-18B5-43E9-8EAF-FDBA5D2173C5}" type="datetimeFigureOut">
               <a:rPr lang="en-US" smtClean="0"/>
-              <a:t>10/5/2024</a:t>
+              <a:t>10/6/2024</a:t>
             </a:fld>
             <a:endParaRPr lang="en-US"/>
           </a:p>
@@ -861,7 +866,7 @@
           <a:p>
             <a:fld id="{8B7A59F8-C29C-4BD6-831D-E1E419FEB2E8}" type="datetime1">
               <a:rPr lang="en-US" smtClean="0"/>
-              <a:t>10/5/2024</a:t>
+              <a:t>10/6/2024</a:t>
             </a:fld>
             <a:endParaRPr lang="en-US"/>
           </a:p>
@@ -1062,7 +1067,7 @@
           <a:p>
             <a:fld id="{756B6B0C-8D0E-40D0-AD4B-B2D58FBB38C2}" type="datetime1">
               <a:rPr lang="en-US" smtClean="0"/>
-              <a:t>10/5/2024</a:t>
+              <a:t>10/6/2024</a:t>
             </a:fld>
             <a:endParaRPr lang="en-US"/>
           </a:p>
@@ -1273,7 +1278,7 @@
           <a:p>
             <a:fld id="{70332ABC-42CA-442D-BA82-A74974CE3C44}" type="datetime1">
               <a:rPr lang="en-US" smtClean="0"/>
-              <a:t>10/5/2024</a:t>
+              <a:t>10/6/2024</a:t>
             </a:fld>
             <a:endParaRPr lang="en-US"/>
           </a:p>
@@ -1474,7 +1479,7 @@
           <a:p>
             <a:fld id="{15CAA4D4-3C9D-4412-8790-071F34E43F64}" type="datetime1">
               <a:rPr lang="en-US" smtClean="0"/>
-              <a:t>10/5/2024</a:t>
+              <a:t>10/6/2024</a:t>
             </a:fld>
             <a:endParaRPr lang="en-US"/>
           </a:p>
@@ -1752,7 +1757,7 @@
           <a:p>
             <a:fld id="{5A72459C-260F-477D-8D23-A4A5AB2BBFA3}" type="datetime1">
               <a:rPr lang="en-US" smtClean="0"/>
-              <a:t>10/5/2024</a:t>
+              <a:t>10/6/2024</a:t>
             </a:fld>
             <a:endParaRPr lang="en-US"/>
           </a:p>
@@ -2020,7 +2025,7 @@
           <a:p>
             <a:fld id="{99119313-168E-41E9-801C-DF79C88919C7}" type="datetime1">
               <a:rPr lang="en-US" smtClean="0"/>
-              <a:t>10/5/2024</a:t>
+              <a:t>10/6/2024</a:t>
             </a:fld>
             <a:endParaRPr lang="en-US"/>
           </a:p>
@@ -2435,7 +2440,7 @@
           <a:p>
             <a:fld id="{85DB33E4-42A0-4945-8B14-5111F6F5B9D3}" type="datetime1">
               <a:rPr lang="en-US" smtClean="0"/>
-              <a:t>10/5/2024</a:t>
+              <a:t>10/6/2024</a:t>
             </a:fld>
             <a:endParaRPr lang="en-US"/>
           </a:p>
@@ -2579,7 +2584,7 @@
           <a:p>
             <a:fld id="{ECCECA8B-34D1-4C3A-89E5-6EED157F9D06}" type="datetime1">
               <a:rPr lang="en-US" smtClean="0"/>
-              <a:t>10/5/2024</a:t>
+              <a:t>10/6/2024</a:t>
             </a:fld>
             <a:endParaRPr lang="en-US"/>
           </a:p>
@@ -2695,7 +2700,7 @@
           <a:p>
             <a:fld id="{0DAF19DC-7923-4990-8790-CACAB169801D}" type="datetime1">
               <a:rPr lang="en-US" smtClean="0"/>
-              <a:t>10/5/2024</a:t>
+              <a:t>10/6/2024</a:t>
             </a:fld>
             <a:endParaRPr lang="en-US"/>
           </a:p>
@@ -3009,7 +3014,7 @@
           <a:p>
             <a:fld id="{A1FB0900-CB9F-45C0-98C5-95366295F98C}" type="datetime1">
               <a:rPr lang="en-US" smtClean="0"/>
-              <a:t>10/5/2024</a:t>
+              <a:t>10/6/2024</a:t>
             </a:fld>
             <a:endParaRPr lang="en-US"/>
           </a:p>
@@ -3300,7 +3305,7 @@
           <a:p>
             <a:fld id="{60E10521-8D96-4C48-8DBC-127CD70B2195}" type="datetime1">
               <a:rPr lang="en-US" smtClean="0"/>
-              <a:t>10/5/2024</a:t>
+              <a:t>10/6/2024</a:t>
             </a:fld>
             <a:endParaRPr lang="en-US"/>
           </a:p>
@@ -3544,7 +3549,7 @@
           <a:p>
             <a:fld id="{DF3E9C2F-37A9-421A-B3C2-2F4B57C39A00}" type="datetime1">
               <a:rPr lang="en-US" smtClean="0"/>
-              <a:t>10/5/2024</a:t>
+              <a:t>10/6/2024</a:t>
             </a:fld>
             <a:endParaRPr lang="en-US"/>
           </a:p>
@@ -5410,7 +5415,7 @@
         <p:spPr>
           <a:xfrm>
             <a:off x="305419" y="4122689"/>
-            <a:ext cx="5293757" cy="2308324"/>
+            <a:ext cx="5836341" cy="2308324"/>
           </a:xfrm>
           <a:prstGeom prst="rect">
             <a:avLst/>
@@ -5466,7 +5471,15 @@
             </a:pPr>
             <a:r>
               <a:rPr lang="en-US" dirty="0"/>
-              <a:t>add pagination on admin GET and product GET</a:t>
+              <a:t>add pagination</a:t>
+            </a:r>
+            <a:r>
+              <a:rPr lang="en-US"/>
+              <a:t>/search </a:t>
+            </a:r>
+            <a:r>
+              <a:rPr lang="en-US" dirty="0"/>
+              <a:t>on admin GET and product GET</a:t>
             </a:r>
           </a:p>
           <a:p>
